--- a/resources/css-grid-layout.pptx
+++ b/resources/css-grid-layout.pptx
@@ -249,7 +249,7 @@
           <a:p>
             <a:fld id="{FE3F2D51-6C2E-457A-BAE3-B75988B2EC33}" type="datetimeFigureOut">
               <a:rPr lang="en-US" smtClean="0"/>
-              <a:t>1/27/2020</a:t>
+              <a:t>2/10/2020</a:t>
             </a:fld>
             <a:endParaRPr lang="en-US"/>
           </a:p>
@@ -419,7 +419,7 @@
           <a:p>
             <a:fld id="{FE3F2D51-6C2E-457A-BAE3-B75988B2EC33}" type="datetimeFigureOut">
               <a:rPr lang="en-US" smtClean="0"/>
-              <a:t>1/27/2020</a:t>
+              <a:t>2/10/2020</a:t>
             </a:fld>
             <a:endParaRPr lang="en-US"/>
           </a:p>
@@ -599,7 +599,7 @@
           <a:p>
             <a:fld id="{FE3F2D51-6C2E-457A-BAE3-B75988B2EC33}" type="datetimeFigureOut">
               <a:rPr lang="en-US" smtClean="0"/>
-              <a:t>1/27/2020</a:t>
+              <a:t>2/10/2020</a:t>
             </a:fld>
             <a:endParaRPr lang="en-US"/>
           </a:p>
@@ -769,7 +769,7 @@
           <a:p>
             <a:fld id="{FE3F2D51-6C2E-457A-BAE3-B75988B2EC33}" type="datetimeFigureOut">
               <a:rPr lang="en-US" smtClean="0"/>
-              <a:t>1/27/2020</a:t>
+              <a:t>2/10/2020</a:t>
             </a:fld>
             <a:endParaRPr lang="en-US"/>
           </a:p>
@@ -1015,7 +1015,7 @@
           <a:p>
             <a:fld id="{FE3F2D51-6C2E-457A-BAE3-B75988B2EC33}" type="datetimeFigureOut">
               <a:rPr lang="en-US" smtClean="0"/>
-              <a:t>1/27/2020</a:t>
+              <a:t>2/10/2020</a:t>
             </a:fld>
             <a:endParaRPr lang="en-US"/>
           </a:p>
@@ -1247,7 +1247,7 @@
           <a:p>
             <a:fld id="{FE3F2D51-6C2E-457A-BAE3-B75988B2EC33}" type="datetimeFigureOut">
               <a:rPr lang="en-US" smtClean="0"/>
-              <a:t>1/27/2020</a:t>
+              <a:t>2/10/2020</a:t>
             </a:fld>
             <a:endParaRPr lang="en-US"/>
           </a:p>
@@ -1614,7 +1614,7 @@
           <a:p>
             <a:fld id="{FE3F2D51-6C2E-457A-BAE3-B75988B2EC33}" type="datetimeFigureOut">
               <a:rPr lang="en-US" smtClean="0"/>
-              <a:t>1/27/2020</a:t>
+              <a:t>2/10/2020</a:t>
             </a:fld>
             <a:endParaRPr lang="en-US"/>
           </a:p>
@@ -1732,7 +1732,7 @@
           <a:p>
             <a:fld id="{FE3F2D51-6C2E-457A-BAE3-B75988B2EC33}" type="datetimeFigureOut">
               <a:rPr lang="en-US" smtClean="0"/>
-              <a:t>1/27/2020</a:t>
+              <a:t>2/10/2020</a:t>
             </a:fld>
             <a:endParaRPr lang="en-US"/>
           </a:p>
@@ -1827,7 +1827,7 @@
           <a:p>
             <a:fld id="{FE3F2D51-6C2E-457A-BAE3-B75988B2EC33}" type="datetimeFigureOut">
               <a:rPr lang="en-US" smtClean="0"/>
-              <a:t>1/27/2020</a:t>
+              <a:t>2/10/2020</a:t>
             </a:fld>
             <a:endParaRPr lang="en-US"/>
           </a:p>
@@ -2104,7 +2104,7 @@
           <a:p>
             <a:fld id="{FE3F2D51-6C2E-457A-BAE3-B75988B2EC33}" type="datetimeFigureOut">
               <a:rPr lang="en-US" smtClean="0"/>
-              <a:t>1/27/2020</a:t>
+              <a:t>2/10/2020</a:t>
             </a:fld>
             <a:endParaRPr lang="en-US"/>
           </a:p>
@@ -2357,7 +2357,7 @@
           <a:p>
             <a:fld id="{FE3F2D51-6C2E-457A-BAE3-B75988B2EC33}" type="datetimeFigureOut">
               <a:rPr lang="en-US" smtClean="0"/>
-              <a:t>1/27/2020</a:t>
+              <a:t>2/10/2020</a:t>
             </a:fld>
             <a:endParaRPr lang="en-US"/>
           </a:p>
@@ -2570,7 +2570,7 @@
           <a:p>
             <a:fld id="{FE3F2D51-6C2E-457A-BAE3-B75988B2EC33}" type="datetimeFigureOut">
               <a:rPr lang="en-US" smtClean="0"/>
-              <a:t>1/27/2020</a:t>
+              <a:t>2/10/2020</a:t>
             </a:fld>
             <a:endParaRPr lang="en-US"/>
           </a:p>
@@ -2990,26 +2990,18 @@
           <a:bodyPr/>
           <a:lstStyle/>
           <a:p>
+            <a:r>
+              <a:rPr lang="en-US" dirty="0" smtClean="0"/>
+              <a:t>Grid Layout</a:t>
+            </a:r>
+            <a:br>
+              <a:rPr lang="en-US" dirty="0" smtClean="0"/>
+            </a:br>
+            <a:r>
+              <a:rPr lang="en-US" dirty="0" smtClean="0"/>
+              <a:t>Deep Dive</a:t>
+            </a:r>
             <a:endParaRPr lang="en-US" dirty="0"/>
-          </a:p>
-        </p:txBody>
-      </p:sp>
-      <p:sp>
-        <p:nvSpPr>
-          <p:cNvPr id="3" name="Subtitle 2"/>
-          <p:cNvSpPr>
-            <a:spLocks noGrp="1"/>
-          </p:cNvSpPr>
-          <p:nvPr>
-            <p:ph type="subTitle" idx="1"/>
-          </p:nvPr>
-        </p:nvSpPr>
-        <p:spPr/>
-        <p:txBody>
-          <a:bodyPr/>
-          <a:lstStyle/>
-          <a:p>
-            <a:endParaRPr lang="en-US"/>
           </a:p>
         </p:txBody>
       </p:sp>
@@ -3023,6 +3015,13 @@
   <p:clrMapOvr>
     <a:masterClrMapping/>
   </p:clrMapOvr>
+  <p:timing>
+    <p:tnLst>
+      <p:par>
+        <p:cTn id="1" dur="indefinite" restart="never" nodeType="tmRoot"/>
+      </p:par>
+    </p:tnLst>
+  </p:timing>
 </p:sld>
 </file>
 
@@ -3105,6 +3104,13 @@
   <p:clrMapOvr>
     <a:masterClrMapping/>
   </p:clrMapOvr>
+  <p:timing>
+    <p:tnLst>
+      <p:par>
+        <p:cTn id="1" dur="indefinite" restart="never" nodeType="tmRoot"/>
+      </p:par>
+    </p:tnLst>
+  </p:timing>
 </p:sld>
 </file>
 
@@ -3255,6 +3261,13 @@
   <p:clrMapOvr>
     <a:masterClrMapping/>
   </p:clrMapOvr>
+  <p:timing>
+    <p:tnLst>
+      <p:par>
+        <p:cTn id="1" dur="indefinite" restart="never" nodeType="tmRoot"/>
+      </p:par>
+    </p:tnLst>
+  </p:timing>
 </p:sld>
 </file>
 
@@ -3312,6 +3325,10 @@
           <a:bodyPr/>
           <a:lstStyle/>
           <a:p>
+            <a:r>
+              <a:rPr lang="en-US" dirty="0" smtClean="0"/>
+              <a:t>Grid layout is not meant to replace flex layout but they are used together to build complex layout</a:t>
+            </a:r>
             <a:endParaRPr lang="en-US" dirty="0"/>
           </a:p>
         </p:txBody>
@@ -3326,6 +3343,13 @@
   <p:clrMapOvr>
     <a:masterClrMapping/>
   </p:clrMapOvr>
+  <p:timing>
+    <p:tnLst>
+      <p:par>
+        <p:cTn id="1" dur="indefinite" restart="never" nodeType="tmRoot"/>
+      </p:par>
+    </p:tnLst>
+  </p:timing>
 </p:sld>
 </file>
 
@@ -3418,6 +3442,13 @@
   <p:clrMapOvr>
     <a:masterClrMapping/>
   </p:clrMapOvr>
+  <p:timing>
+    <p:tnLst>
+      <p:par>
+        <p:cTn id="1" dur="indefinite" restart="never" nodeType="tmRoot"/>
+      </p:par>
+    </p:tnLst>
+  </p:timing>
 </p:sld>
 </file>
 
@@ -3477,6 +3508,13 @@
   <p:clrMapOvr>
     <a:masterClrMapping/>
   </p:clrMapOvr>
+  <p:timing>
+    <p:tnLst>
+      <p:par>
+        <p:cTn id="1" dur="indefinite" restart="never" nodeType="tmRoot"/>
+      </p:par>
+    </p:tnLst>
+  </p:timing>
 </p:sld>
 </file>
 
@@ -3559,6 +3597,13 @@
   <p:clrMapOvr>
     <a:masterClrMapping/>
   </p:clrMapOvr>
+  <p:timing>
+    <p:tnLst>
+      <p:par>
+        <p:cTn id="1" dur="indefinite" restart="never" nodeType="tmRoot"/>
+      </p:par>
+    </p:tnLst>
+  </p:timing>
 </p:sld>
 </file>
 
